--- a/BDD vs Evil Programmer.pptx
+++ b/BDD vs Evil Programmer.pptx
@@ -19,7 +19,7 @@
     <p:sldId id="273" r:id="rId10"/>
     <p:sldId id="403" r:id="rId11"/>
     <p:sldId id="411" r:id="rId12"/>
-    <p:sldId id="326" r:id="rId13"/>
+    <p:sldId id="413" r:id="rId13"/>
     <p:sldId id="285" r:id="rId14"/>
   </p:sldIdLst>
   <p:sldSz cx="9144000" cy="5143500" type="screen16x9"/>
@@ -6726,10 +6726,133 @@
           <a:chExt cx="0" cy="0"/>
         </a:xfrm>
       </p:grpSpPr>
+      <p:pic>
+        <p:nvPicPr>
+          <p:cNvPr id="3" name="Graphic 2">
+            <a:extLst>
+              <a:ext uri="{FF2B5EF4-FFF2-40B4-BE49-F238E27FC236}">
+                <a16:creationId xmlns:a16="http://schemas.microsoft.com/office/drawing/2014/main" id="{11298FB5-F327-BEF2-BF1D-DCA283336CEC}"/>
+              </a:ext>
+            </a:extLst>
+          </p:cNvPr>
+          <p:cNvPicPr>
+            <a:picLocks noChangeAspect="1"/>
+          </p:cNvPicPr>
+          <p:nvPr/>
+        </p:nvPicPr>
+        <p:blipFill>
+          <a:blip r:embed="rId2">
+            <a:extLst>
+              <a:ext uri="{28A0092B-C50C-407E-A947-70E740481C1C}">
+                <a14:useLocalDpi xmlns:a14="http://schemas.microsoft.com/office/drawing/2010/main" val="0"/>
+              </a:ext>
+              <a:ext uri="{96DAC541-7B7A-43D3-8B79-37D633B846F1}">
+                <asvg:svgBlip xmlns:asvg="http://schemas.microsoft.com/office/drawing/2016/SVG/main" r:embed="rId3"/>
+              </a:ext>
+            </a:extLst>
+          </a:blip>
+          <a:stretch>
+            <a:fillRect/>
+          </a:stretch>
+        </p:blipFill>
+        <p:spPr>
+          <a:xfrm>
+            <a:off x="0" y="0"/>
+            <a:ext cx="5143500" cy="5143500"/>
+          </a:xfrm>
+          <a:prstGeom prst="rect">
+            <a:avLst/>
+          </a:prstGeom>
+        </p:spPr>
+      </p:pic>
+      <p:sp>
+        <p:nvSpPr>
+          <p:cNvPr id="5" name="TextBox 4">
+            <a:extLst>
+              <a:ext uri="{FF2B5EF4-FFF2-40B4-BE49-F238E27FC236}">
+                <a16:creationId xmlns:a16="http://schemas.microsoft.com/office/drawing/2014/main" id="{B8394CA6-B93B-9D8B-DAE0-B68EF788A820}"/>
+              </a:ext>
+            </a:extLst>
+          </p:cNvPr>
+          <p:cNvSpPr txBox="1"/>
+          <p:nvPr/>
+        </p:nvSpPr>
+        <p:spPr>
+          <a:xfrm>
+            <a:off x="5181600" y="4476750"/>
+            <a:ext cx="4048208" cy="246221"/>
+          </a:xfrm>
+          <a:prstGeom prst="rect">
+            <a:avLst/>
+          </a:prstGeom>
+          <a:noFill/>
+        </p:spPr>
+        <p:txBody>
+          <a:bodyPr wrap="square">
+            <a:spAutoFit/>
+          </a:bodyPr>
+          <a:lstStyle/>
+          <a:p>
+            <a:r>
+              <a:rPr lang="en-US" sz="1000" dirty="0">
+                <a:solidFill>
+                  <a:schemeClr val="bg1"/>
+                </a:solidFill>
+              </a:rPr>
+              <a:t>https://</a:t>
+            </a:r>
+            <a:r>
+              <a:rPr lang="en-US" sz="1000" dirty="0" err="1">
+                <a:solidFill>
+                  <a:schemeClr val="bg1"/>
+                </a:solidFill>
+              </a:rPr>
+              <a:t>github.com</a:t>
+            </a:r>
+            <a:r>
+              <a:rPr lang="en-US" sz="1000" dirty="0">
+                <a:solidFill>
+                  <a:schemeClr val="bg1"/>
+                </a:solidFill>
+              </a:rPr>
+              <a:t>/</a:t>
+            </a:r>
+            <a:r>
+              <a:rPr lang="en-US" sz="1000" dirty="0" err="1">
+                <a:solidFill>
+                  <a:schemeClr val="bg1"/>
+                </a:solidFill>
+              </a:rPr>
+              <a:t>isidore</a:t>
+            </a:r>
+            <a:r>
+              <a:rPr lang="en-US" sz="1000" dirty="0">
+                <a:solidFill>
+                  <a:schemeClr val="bg1"/>
+                </a:solidFill>
+              </a:rPr>
+              <a:t>/Talks/blob/master/</a:t>
+            </a:r>
+            <a:r>
+              <a:rPr lang="en-US" sz="1000" dirty="0" err="1">
+                <a:solidFill>
+                  <a:schemeClr val="bg1"/>
+                </a:solidFill>
+              </a:rPr>
+              <a:t>BDDvsEvilProgrammer.md</a:t>
+            </a:r>
+            <a:endParaRPr lang="en-US" sz="1000" dirty="0">
+              <a:solidFill>
+                <a:schemeClr val="bg1"/>
+              </a:solidFill>
+            </a:endParaRPr>
+          </a:p>
+        </p:txBody>
+      </p:sp>
     </p:spTree>
     <p:extLst>
       <p:ext uri="{BB962C8B-B14F-4D97-AF65-F5344CB8AC3E}">
-        <p14:creationId xmlns:p14="http://schemas.microsoft.com/office/powerpoint/2010/main" val="118217575"/>
+        <p14:creationId xmlns:p14="http://schemas.microsoft.com/office/powerpoint/2010/main" val="1899570959"/>
       </p:ext>
     </p:extLst>
   </p:cSld>
@@ -6897,14 +7020,14 @@
           </a:effectLst>
           <a:extLst>
             <a:ext uri="{909E8E84-426E-40dd-AFC4-6F175D3DCCD1}">
-              <a14:hiddenFill xmlns:a14="http://schemas.microsoft.com/office/drawing/2010/main" xmlns="">
+              <a14:hiddenFill xmlns="" xmlns:a14="http://schemas.microsoft.com/office/drawing/2010/main">
                 <a:solidFill>
                   <a:schemeClr val="accent1"/>
                 </a:solidFill>
               </a14:hiddenFill>
             </a:ext>
             <a:ext uri="{91240B29-F687-4f45-9708-019B960494DF}">
-              <a14:hiddenLine xmlns:a14="http://schemas.microsoft.com/office/drawing/2010/main" xmlns="" w="9525">
+              <a14:hiddenLine xmlns="" xmlns:a14="http://schemas.microsoft.com/office/drawing/2010/main" w="9525">
                 <a:solidFill>
                   <a:schemeClr val="tx1"/>
                 </a:solidFill>
@@ -7219,6 +7342,129 @@
           <a:chExt cx="0" cy="0"/>
         </a:xfrm>
       </p:grpSpPr>
+      <p:pic>
+        <p:nvPicPr>
+          <p:cNvPr id="3" name="Graphic 2">
+            <a:extLst>
+              <a:ext uri="{FF2B5EF4-FFF2-40B4-BE49-F238E27FC236}">
+                <a16:creationId xmlns:a16="http://schemas.microsoft.com/office/drawing/2014/main" id="{11298FB5-F327-BEF2-BF1D-DCA283336CEC}"/>
+              </a:ext>
+            </a:extLst>
+          </p:cNvPr>
+          <p:cNvPicPr>
+            <a:picLocks noChangeAspect="1"/>
+          </p:cNvPicPr>
+          <p:nvPr/>
+        </p:nvPicPr>
+        <p:blipFill>
+          <a:blip r:embed="rId2">
+            <a:extLst>
+              <a:ext uri="{28A0092B-C50C-407E-A947-70E740481C1C}">
+                <a14:useLocalDpi xmlns:a14="http://schemas.microsoft.com/office/drawing/2010/main" val="0"/>
+              </a:ext>
+              <a:ext uri="{96DAC541-7B7A-43D3-8B79-37D633B846F1}">
+                <asvg:svgBlip xmlns:asvg="http://schemas.microsoft.com/office/drawing/2016/SVG/main" r:embed="rId3"/>
+              </a:ext>
+            </a:extLst>
+          </a:blip>
+          <a:stretch>
+            <a:fillRect/>
+          </a:stretch>
+        </p:blipFill>
+        <p:spPr>
+          <a:xfrm>
+            <a:off x="0" y="0"/>
+            <a:ext cx="5143500" cy="5143500"/>
+          </a:xfrm>
+          <a:prstGeom prst="rect">
+            <a:avLst/>
+          </a:prstGeom>
+        </p:spPr>
+      </p:pic>
+      <p:sp>
+        <p:nvSpPr>
+          <p:cNvPr id="5" name="TextBox 4">
+            <a:extLst>
+              <a:ext uri="{FF2B5EF4-FFF2-40B4-BE49-F238E27FC236}">
+                <a16:creationId xmlns:a16="http://schemas.microsoft.com/office/drawing/2014/main" id="{B8394CA6-B93B-9D8B-DAE0-B68EF788A820}"/>
+              </a:ext>
+            </a:extLst>
+          </p:cNvPr>
+          <p:cNvSpPr txBox="1"/>
+          <p:nvPr/>
+        </p:nvSpPr>
+        <p:spPr>
+          <a:xfrm>
+            <a:off x="5181600" y="4476750"/>
+            <a:ext cx="4048208" cy="246221"/>
+          </a:xfrm>
+          <a:prstGeom prst="rect">
+            <a:avLst/>
+          </a:prstGeom>
+          <a:noFill/>
+        </p:spPr>
+        <p:txBody>
+          <a:bodyPr wrap="square">
+            <a:spAutoFit/>
+          </a:bodyPr>
+          <a:lstStyle/>
+          <a:p>
+            <a:r>
+              <a:rPr lang="en-US" sz="1000" dirty="0">
+                <a:solidFill>
+                  <a:schemeClr val="bg1"/>
+                </a:solidFill>
+              </a:rPr>
+              <a:t>https://</a:t>
+            </a:r>
+            <a:r>
+              <a:rPr lang="en-US" sz="1000" dirty="0" err="1">
+                <a:solidFill>
+                  <a:schemeClr val="bg1"/>
+                </a:solidFill>
+              </a:rPr>
+              <a:t>github.com</a:t>
+            </a:r>
+            <a:r>
+              <a:rPr lang="en-US" sz="1000" dirty="0">
+                <a:solidFill>
+                  <a:schemeClr val="bg1"/>
+                </a:solidFill>
+              </a:rPr>
+              <a:t>/</a:t>
+            </a:r>
+            <a:r>
+              <a:rPr lang="en-US" sz="1000" dirty="0" err="1">
+                <a:solidFill>
+                  <a:schemeClr val="bg1"/>
+                </a:solidFill>
+              </a:rPr>
+              <a:t>isidore</a:t>
+            </a:r>
+            <a:r>
+              <a:rPr lang="en-US" sz="1000" dirty="0">
+                <a:solidFill>
+                  <a:schemeClr val="bg1"/>
+                </a:solidFill>
+              </a:rPr>
+              <a:t>/Talks/blob/master/</a:t>
+            </a:r>
+            <a:r>
+              <a:rPr lang="en-US" sz="1000" dirty="0" err="1">
+                <a:solidFill>
+                  <a:schemeClr val="bg1"/>
+                </a:solidFill>
+              </a:rPr>
+              <a:t>BDDvsEvilProgrammer.md</a:t>
+            </a:r>
+            <a:endParaRPr lang="en-US" sz="1000" dirty="0">
+              <a:solidFill>
+                <a:schemeClr val="bg1"/>
+              </a:solidFill>
+            </a:endParaRPr>
+          </a:p>
+        </p:txBody>
+      </p:sp>
     </p:spTree>
     <p:extLst>
       <p:ext uri="{BB962C8B-B14F-4D97-AF65-F5344CB8AC3E}">

--- a/BDD vs Evil Programmer.pptx
+++ b/BDD vs Evil Programmer.pptx
@@ -225,7 +225,7 @@
           <a:p>
             <a:fld id="{4B6CA892-5368-104E-9915-F269845A1B41}" type="datetimeFigureOut">
               <a:rPr lang="en-US" smtClean="0"/>
-              <a:t>1/29/23</a:t>
+              <a:t>3/22/23</a:t>
             </a:fld>
             <a:endParaRPr lang="en-US"/>
           </a:p>
@@ -494,6 +494,356 @@
 </file>
 
 <file path=ppt/notesSlides/notesSlide1.xml><?xml version="1.0" encoding="utf-8"?>
+<p:notes xmlns:a="http://schemas.openxmlformats.org/drawingml/2006/main" xmlns:r="http://schemas.openxmlformats.org/officeDocument/2006/relationships" xmlns:p="http://schemas.openxmlformats.org/presentationml/2006/main">
+  <p:cSld>
+    <p:spTree>
+      <p:nvGrpSpPr>
+        <p:cNvPr id="1" name=""/>
+        <p:cNvGrpSpPr/>
+        <p:nvPr/>
+      </p:nvGrpSpPr>
+      <p:grpSpPr>
+        <a:xfrm>
+          <a:off x="0" y="0"/>
+          <a:ext cx="0" cy="0"/>
+          <a:chOff x="0" y="0"/>
+          <a:chExt cx="0" cy="0"/>
+        </a:xfrm>
+      </p:grpSpPr>
+      <p:sp>
+        <p:nvSpPr>
+          <p:cNvPr id="2" name="Slide Image Placeholder 1"/>
+          <p:cNvSpPr>
+            <a:spLocks noGrp="1" noRot="1" noChangeAspect="1"/>
+          </p:cNvSpPr>
+          <p:nvPr>
+            <p:ph type="sldImg"/>
+          </p:nvPr>
+        </p:nvSpPr>
+        <p:spPr/>
+      </p:sp>
+      <p:sp>
+        <p:nvSpPr>
+          <p:cNvPr id="3" name="Notes Placeholder 2"/>
+          <p:cNvSpPr>
+            <a:spLocks noGrp="1"/>
+          </p:cNvSpPr>
+          <p:nvPr>
+            <p:ph type="body" idx="1"/>
+          </p:nvPr>
+        </p:nvSpPr>
+        <p:spPr/>
+        <p:txBody>
+          <a:bodyPr/>
+          <a:lstStyle/>
+          <a:p>
+            <a:pPr algn="l"/>
+            <a:r>
+              <a:rPr lang="en-US" b="0" i="0" dirty="0" err="1">
+                <a:solidFill>
+                  <a:srgbClr val="333333"/>
+                </a:solidFill>
+                <a:effectLst/>
+                <a:latin typeface="Open Sans" panose="020B0606030504020204" pitchFamily="34" charset="0"/>
+              </a:rPr>
+              <a:t>Behaviour</a:t>
+            </a:r>
+            <a:r>
+              <a:rPr lang="en-US" b="0" i="0" dirty="0">
+                <a:solidFill>
+                  <a:srgbClr val="333333"/>
+                </a:solidFill>
+                <a:effectLst/>
+                <a:latin typeface="Open Sans" panose="020B0606030504020204" pitchFamily="34" charset="0"/>
+              </a:rPr>
+              <a:t> Driven Development (BDD) is said to be able to evolve a good design and working code. But can it really?</a:t>
+            </a:r>
+          </a:p>
+          <a:p>
+            <a:pPr algn="l"/>
+            <a:r>
+              <a:rPr lang="en-US" b="0" i="0" dirty="0">
+                <a:solidFill>
+                  <a:srgbClr val="333333"/>
+                </a:solidFill>
+                <a:effectLst/>
+                <a:latin typeface="Open Sans" panose="020B0606030504020204" pitchFamily="34" charset="0"/>
+              </a:rPr>
+              <a:t>This session is going to focus on the </a:t>
+            </a:r>
+            <a:r>
+              <a:rPr lang="en-US" b="0" i="0" dirty="0" err="1">
+                <a:solidFill>
+                  <a:srgbClr val="333333"/>
+                </a:solidFill>
+                <a:effectLst/>
+                <a:latin typeface="Open Sans" panose="020B0606030504020204" pitchFamily="34" charset="0"/>
+              </a:rPr>
+              <a:t>microskill</a:t>
+            </a:r>
+            <a:r>
+              <a:rPr lang="en-US" b="0" i="0" dirty="0">
+                <a:solidFill>
+                  <a:srgbClr val="333333"/>
+                </a:solidFill>
+                <a:effectLst/>
+                <a:latin typeface="Open Sans" panose="020B0606030504020204" pitchFamily="34" charset="0"/>
+              </a:rPr>
+              <a:t> of writing tests to craft code.</a:t>
+            </a:r>
+            <a:br>
+              <a:rPr lang="en-US" b="0" i="0" dirty="0">
+                <a:solidFill>
+                  <a:srgbClr val="333333"/>
+                </a:solidFill>
+                <a:effectLst/>
+                <a:latin typeface="Open Sans" panose="020B0606030504020204" pitchFamily="34" charset="0"/>
+              </a:rPr>
+            </a:br>
+            <a:r>
+              <a:rPr lang="en-US" b="0" i="0" dirty="0">
+                <a:solidFill>
+                  <a:srgbClr val="333333"/>
+                </a:solidFill>
+                <a:effectLst/>
+                <a:latin typeface="Open Sans" panose="020B0606030504020204" pitchFamily="34" charset="0"/>
+              </a:rPr>
+              <a:t>While many people are comfortable with getting a happy path example, continuing to craft test to evolve a more complete specification is often undeveloped in the 3 amigos (developers, testers and business/product); This session will focus on learning this </a:t>
+            </a:r>
+            <a:r>
+              <a:rPr lang="en-US" b="0" i="0" dirty="0" err="1">
+                <a:solidFill>
+                  <a:srgbClr val="333333"/>
+                </a:solidFill>
+                <a:effectLst/>
+                <a:latin typeface="Open Sans" panose="020B0606030504020204" pitchFamily="34" charset="0"/>
+              </a:rPr>
+              <a:t>microskill</a:t>
+            </a:r>
+            <a:r>
+              <a:rPr lang="en-US" b="0" i="0" dirty="0">
+                <a:solidFill>
+                  <a:srgbClr val="333333"/>
+                </a:solidFill>
+                <a:effectLst/>
+                <a:latin typeface="Open Sans" panose="020B0606030504020204" pitchFamily="34" charset="0"/>
+              </a:rPr>
+              <a:t>.</a:t>
+            </a:r>
+            <a:br>
+              <a:rPr lang="en-US" b="0" i="0" dirty="0">
+                <a:solidFill>
+                  <a:srgbClr val="333333"/>
+                </a:solidFill>
+                <a:effectLst/>
+                <a:latin typeface="Open Sans" panose="020B0606030504020204" pitchFamily="34" charset="0"/>
+              </a:rPr>
+            </a:br>
+            <a:r>
+              <a:rPr lang="en-US" b="0" i="0" dirty="0">
+                <a:solidFill>
+                  <a:srgbClr val="333333"/>
+                </a:solidFill>
+                <a:effectLst/>
+                <a:latin typeface="Open Sans" panose="020B0606030504020204" pitchFamily="34" charset="0"/>
+              </a:rPr>
+              <a:t>To aid in the feedback loop you (the audience) will write all the test. I (the presenter) will turn them into code and write code to make them pass. I will follow 3 rules:</a:t>
+            </a:r>
+          </a:p>
+          <a:p>
+            <a:pPr algn="l">
+              <a:buFont typeface="+mj-lt"/>
+              <a:buAutoNum type="arabicPeriod"/>
+            </a:pPr>
+            <a:r>
+              <a:rPr lang="en-US" b="0" i="0" dirty="0">
+                <a:solidFill>
+                  <a:srgbClr val="333333"/>
+                </a:solidFill>
+                <a:effectLst/>
+                <a:latin typeface="Open Sans" panose="020B0606030504020204" pitchFamily="34" charset="0"/>
+              </a:rPr>
+              <a:t>All tests must pass</a:t>
+            </a:r>
+          </a:p>
+          <a:p>
+            <a:pPr algn="l">
+              <a:buFont typeface="+mj-lt"/>
+              <a:buAutoNum type="arabicPeriod"/>
+            </a:pPr>
+            <a:r>
+              <a:rPr lang="en-US" b="0" i="0" dirty="0">
+                <a:solidFill>
+                  <a:srgbClr val="333333"/>
+                </a:solidFill>
+                <a:effectLst/>
+                <a:latin typeface="Open Sans" panose="020B0606030504020204" pitchFamily="34" charset="0"/>
+              </a:rPr>
+              <a:t>I'm not trying to help</a:t>
+            </a:r>
+          </a:p>
+          <a:p>
+            <a:pPr algn="l">
+              <a:buFont typeface="+mj-lt"/>
+              <a:buAutoNum type="arabicPeriod"/>
+            </a:pPr>
+            <a:r>
+              <a:rPr lang="en-US" b="0" i="0" dirty="0">
+                <a:solidFill>
+                  <a:srgbClr val="333333"/>
+                </a:solidFill>
+                <a:effectLst/>
+                <a:latin typeface="Open Sans" panose="020B0606030504020204" pitchFamily="34" charset="0"/>
+              </a:rPr>
+              <a:t>but I'm also lazy</a:t>
+            </a:r>
+          </a:p>
+          <a:p>
+            <a:pPr algn="l"/>
+            <a:r>
+              <a:rPr lang="en-US" b="0" i="0" dirty="0">
+                <a:solidFill>
+                  <a:srgbClr val="333333"/>
+                </a:solidFill>
+                <a:effectLst/>
+                <a:latin typeface="Open Sans" panose="020B0606030504020204" pitchFamily="34" charset="0"/>
+              </a:rPr>
+              <a:t>These come together to say, "If you can make it so it's easier for me to do the right thing than the wrong thing, then I will".</a:t>
+            </a:r>
+            <a:br>
+              <a:rPr lang="en-US" b="0" i="0" dirty="0">
+                <a:solidFill>
+                  <a:srgbClr val="333333"/>
+                </a:solidFill>
+                <a:effectLst/>
+                <a:latin typeface="Open Sans" panose="020B0606030504020204" pitchFamily="34" charset="0"/>
+              </a:rPr>
+            </a:br>
+            <a:r>
+              <a:rPr lang="en-US" b="0" i="0" dirty="0">
+                <a:solidFill>
+                  <a:srgbClr val="333333"/>
+                </a:solidFill>
+                <a:effectLst/>
+                <a:latin typeface="Open Sans" panose="020B0606030504020204" pitchFamily="34" charset="0"/>
+              </a:rPr>
+              <a:t>Learning the </a:t>
+            </a:r>
+            <a:r>
+              <a:rPr lang="en-US" b="0" i="0" dirty="0" err="1">
+                <a:solidFill>
+                  <a:srgbClr val="333333"/>
+                </a:solidFill>
+                <a:effectLst/>
+                <a:latin typeface="Open Sans" panose="020B0606030504020204" pitchFamily="34" charset="0"/>
+              </a:rPr>
+              <a:t>microskill</a:t>
+            </a:r>
+            <a:r>
+              <a:rPr lang="en-US" b="0" i="0" dirty="0">
+                <a:solidFill>
+                  <a:srgbClr val="333333"/>
+                </a:solidFill>
+                <a:effectLst/>
+                <a:latin typeface="Open Sans" panose="020B0606030504020204" pitchFamily="34" charset="0"/>
+              </a:rPr>
+              <a:t> of crafting constraints through tests to achieve this is what the session is all about.</a:t>
+            </a:r>
+            <a:br>
+              <a:rPr lang="en-US" b="0" i="0" dirty="0">
+                <a:solidFill>
+                  <a:srgbClr val="333333"/>
+                </a:solidFill>
+                <a:effectLst/>
+                <a:latin typeface="Open Sans" panose="020B0606030504020204" pitchFamily="34" charset="0"/>
+              </a:rPr>
+            </a:br>
+            <a:r>
+              <a:rPr lang="en-US" b="0" i="0" dirty="0">
+                <a:solidFill>
+                  <a:srgbClr val="333333"/>
+                </a:solidFill>
+                <a:effectLst/>
+                <a:latin typeface="Open Sans" panose="020B0606030504020204" pitchFamily="34" charset="0"/>
+              </a:rPr>
+              <a:t>On a typical session we will go thru this cycle about 15-20 times.</a:t>
+            </a:r>
+          </a:p>
+          <a:p>
+            <a:pPr algn="l"/>
+            <a:r>
+              <a:rPr lang="en-US" b="0" i="0" dirty="0">
+                <a:solidFill>
+                  <a:srgbClr val="333333"/>
+                </a:solidFill>
+                <a:effectLst/>
+                <a:latin typeface="Open Sans" panose="020B0606030504020204" pitchFamily="34" charset="0"/>
+              </a:rPr>
+              <a:t>(Note: </a:t>
+            </a:r>
+            <a:r>
+              <a:rPr lang="en-US" b="1" i="0" dirty="0">
+                <a:solidFill>
+                  <a:srgbClr val="333333"/>
+                </a:solidFill>
+                <a:effectLst/>
+                <a:latin typeface="Open Sans" panose="020B0606030504020204" pitchFamily="34" charset="0"/>
+              </a:rPr>
+              <a:t>No coding is required to attend this session</a:t>
+            </a:r>
+            <a:r>
+              <a:rPr lang="en-US" b="0" i="0" dirty="0">
+                <a:solidFill>
+                  <a:srgbClr val="333333"/>
+                </a:solidFill>
+                <a:effectLst/>
+                <a:latin typeface="Open Sans" panose="020B0606030504020204" pitchFamily="34" charset="0"/>
+              </a:rPr>
+              <a:t>, but basic BDD skills are helpful)</a:t>
+            </a:r>
+          </a:p>
+          <a:p>
+            <a:endParaRPr lang="en-US" dirty="0"/>
+          </a:p>
+        </p:txBody>
+      </p:sp>
+      <p:sp>
+        <p:nvSpPr>
+          <p:cNvPr id="4" name="Slide Number Placeholder 3"/>
+          <p:cNvSpPr>
+            <a:spLocks noGrp="1"/>
+          </p:cNvSpPr>
+          <p:nvPr>
+            <p:ph type="sldNum" sz="quarter" idx="5"/>
+          </p:nvPr>
+        </p:nvSpPr>
+        <p:spPr/>
+        <p:txBody>
+          <a:bodyPr/>
+          <a:lstStyle/>
+          <a:p>
+            <a:fld id="{B1AF69FF-2872-D347-BEBD-3F983EC9ED0B}" type="slidenum">
+              <a:rPr lang="en-US" smtClean="0"/>
+              <a:t>2</a:t>
+            </a:fld>
+            <a:endParaRPr lang="en-US"/>
+          </a:p>
+        </p:txBody>
+      </p:sp>
+    </p:spTree>
+    <p:extLst>
+      <p:ext uri="{BB962C8B-B14F-4D97-AF65-F5344CB8AC3E}">
+        <p14:creationId xmlns:p14="http://schemas.microsoft.com/office/powerpoint/2010/main" val="3316445187"/>
+      </p:ext>
+    </p:extLst>
+  </p:cSld>
+  <p:clrMapOvr>
+    <a:masterClrMapping/>
+  </p:clrMapOvr>
+</p:notes>
+</file>
+
+<file path=ppt/notesSlides/notesSlide2.xml><?xml version="1.0" encoding="utf-8"?>
 <p:notes xmlns:a="http://schemas.openxmlformats.org/drawingml/2006/main" xmlns:r="http://schemas.openxmlformats.org/officeDocument/2006/relationships" xmlns:p="http://schemas.openxmlformats.org/presentationml/2006/main" showMasterSp="0" showMasterPhAnim="0">
   <p:cSld>
     <p:spTree>
@@ -905,7 +1255,7 @@
                 </a:solidFill>
               </a:rPr>
               <a:pPr/>
-              <a:t>1/29/23</a:t>
+              <a:t>3/22/23</a:t>
             </a:fld>
             <a:endParaRPr lang="en-US">
               <a:solidFill>
@@ -7020,14 +7370,14 @@
           </a:effectLst>
           <a:extLst>
             <a:ext uri="{909E8E84-426E-40dd-AFC4-6F175D3DCCD1}">
-              <a14:hiddenFill xmlns="" xmlns:a14="http://schemas.microsoft.com/office/drawing/2010/main">
+              <a14:hiddenFill xmlns:a14="http://schemas.microsoft.com/office/drawing/2010/main" xmlns="">
                 <a:solidFill>
                   <a:schemeClr val="accent1"/>
                 </a:solidFill>
               </a14:hiddenFill>
             </a:ext>
             <a:ext uri="{91240B29-F687-4f45-9708-019B960494DF}">
-              <a14:hiddenLine xmlns="" xmlns:a14="http://schemas.microsoft.com/office/drawing/2010/main" w="9525">
+              <a14:hiddenLine xmlns:a14="http://schemas.microsoft.com/office/drawing/2010/main" xmlns="" w="9525">
                 <a:solidFill>
                   <a:schemeClr val="tx1"/>
                 </a:solidFill>
@@ -7195,7 +7545,7 @@
           <p:nvPr/>
         </p:nvPicPr>
         <p:blipFill>
-          <a:blip r:embed="rId2"/>
+          <a:blip r:embed="rId3"/>
           <a:stretch>
             <a:fillRect/>
           </a:stretch>
